--- a/presentation.pptx
+++ b/presentation.pptx
@@ -6848,8 +6848,16 @@
           <a:lstStyle/>
           <a:p>
             <a:r>
+              <a:rPr lang="fr-FR" dirty="0"/>
+              <a:t>Ce qui nous </a:t>
+            </a:r>
+            <a:r>
               <a:rPr lang="fr-FR"/>
-              <a:t>Ce qui nous reste a finir</a:t>
+              <a:t>reste a </a:t>
+            </a:r>
+            <a:r>
+              <a:rPr lang="fr-FR" dirty="0"/>
+              <a:t>finir</a:t>
             </a:r>
           </a:p>
         </p:txBody>
